--- a/CSS PowerPoints/5. CSS Borders.pptx
+++ b/CSS PowerPoints/5. CSS Borders.pptx
@@ -5,7 +5,7 @@
     <p:sldMasterId id="2147483660" r:id="rId1"/>
   </p:sldMasterIdLst>
   <p:notesMasterIdLst>
-    <p:notesMasterId r:id="rId11"/>
+    <p:notesMasterId r:id="rId12"/>
   </p:notesMasterIdLst>
   <p:sldIdLst>
     <p:sldId id="256" r:id="rId2"/>
@@ -16,7 +16,8 @@
     <p:sldId id="265" r:id="rId7"/>
     <p:sldId id="266" r:id="rId8"/>
     <p:sldId id="267" r:id="rId9"/>
-    <p:sldId id="262" r:id="rId10"/>
+    <p:sldId id="268" r:id="rId10"/>
+    <p:sldId id="262" r:id="rId11"/>
   </p:sldIdLst>
   <p:sldSz cx="9144000" cy="6858000" type="screen4x3"/>
   <p:notesSz cx="6858000" cy="9144000"/>
@@ -200,7 +201,7 @@
           <a:p>
             <a:fld id="{CF895B42-5D02-4CBE-986E-085E74F67CF7}" type="datetimeFigureOut">
               <a:rPr lang="en-IN" smtClean="0"/>
-              <a:t>03-10-2021</a:t>
+              <a:t>04-10-2021</a:t>
             </a:fld>
             <a:endParaRPr lang="en-IN"/>
           </a:p>
@@ -1093,7 +1094,7 @@
           <a:p>
             <a:fld id="{4425DEEF-1BE0-4D28-8612-2669634C709D}" type="datetimeFigureOut">
               <a:rPr lang="en-IN" smtClean="0"/>
-              <a:t>03-10-2021</a:t>
+              <a:t>04-10-2021</a:t>
             </a:fld>
             <a:endParaRPr lang="en-IN"/>
           </a:p>
@@ -1289,7 +1290,7 @@
           <a:p>
             <a:fld id="{4425DEEF-1BE0-4D28-8612-2669634C709D}" type="datetimeFigureOut">
               <a:rPr lang="en-IN" smtClean="0"/>
-              <a:t>03-10-2021</a:t>
+              <a:t>04-10-2021</a:t>
             </a:fld>
             <a:endParaRPr lang="en-IN"/>
           </a:p>
@@ -1474,7 +1475,7 @@
           <a:p>
             <a:fld id="{4425DEEF-1BE0-4D28-8612-2669634C709D}" type="datetimeFigureOut">
               <a:rPr lang="en-IN" smtClean="0"/>
-              <a:t>03-10-2021</a:t>
+              <a:t>04-10-2021</a:t>
             </a:fld>
             <a:endParaRPr lang="en-IN"/>
           </a:p>
@@ -1624,7 +1625,7 @@
           <a:p>
             <a:fld id="{4425DEEF-1BE0-4D28-8612-2669634C709D}" type="datetimeFigureOut">
               <a:rPr lang="en-IN" smtClean="0"/>
-              <a:t>03-10-2021</a:t>
+              <a:t>04-10-2021</a:t>
             </a:fld>
             <a:endParaRPr lang="en-IN"/>
           </a:p>
@@ -1879,7 +1880,7 @@
           <a:p>
             <a:fld id="{4425DEEF-1BE0-4D28-8612-2669634C709D}" type="datetimeFigureOut">
               <a:rPr lang="en-IN" smtClean="0"/>
-              <a:t>03-10-2021</a:t>
+              <a:t>04-10-2021</a:t>
             </a:fld>
             <a:endParaRPr lang="en-IN"/>
           </a:p>
@@ -2288,7 +2289,7 @@
           <a:p>
             <a:fld id="{4425DEEF-1BE0-4D28-8612-2669634C709D}" type="datetimeFigureOut">
               <a:rPr lang="en-IN" smtClean="0"/>
-              <a:t>03-10-2021</a:t>
+              <a:t>04-10-2021</a:t>
             </a:fld>
             <a:endParaRPr lang="en-IN"/>
           </a:p>
@@ -2734,7 +2735,7 @@
           <a:p>
             <a:fld id="{4425DEEF-1BE0-4D28-8612-2669634C709D}" type="datetimeFigureOut">
               <a:rPr lang="en-IN" smtClean="0"/>
-              <a:t>03-10-2021</a:t>
+              <a:t>04-10-2021</a:t>
             </a:fld>
             <a:endParaRPr lang="en-IN"/>
           </a:p>
@@ -2835,7 +2836,7 @@
           <a:p>
             <a:fld id="{4425DEEF-1BE0-4D28-8612-2669634C709D}" type="datetimeFigureOut">
               <a:rPr lang="en-IN" smtClean="0"/>
-              <a:t>03-10-2021</a:t>
+              <a:t>04-10-2021</a:t>
             </a:fld>
             <a:endParaRPr lang="en-IN"/>
           </a:p>
@@ -2956,7 +2957,7 @@
           <a:p>
             <a:fld id="{4425DEEF-1BE0-4D28-8612-2669634C709D}" type="datetimeFigureOut">
               <a:rPr lang="en-IN" smtClean="0"/>
-              <a:t>03-10-2021</a:t>
+              <a:t>04-10-2021</a:t>
             </a:fld>
             <a:endParaRPr lang="en-IN"/>
           </a:p>
@@ -3230,7 +3231,7 @@
           <a:p>
             <a:fld id="{4425DEEF-1BE0-4D28-8612-2669634C709D}" type="datetimeFigureOut">
               <a:rPr lang="en-IN" smtClean="0"/>
-              <a:t>03-10-2021</a:t>
+              <a:t>04-10-2021</a:t>
             </a:fld>
             <a:endParaRPr lang="en-IN"/>
           </a:p>
@@ -3435,7 +3436,7 @@
           <a:p>
             <a:fld id="{4425DEEF-1BE0-4D28-8612-2669634C709D}" type="datetimeFigureOut">
               <a:rPr lang="en-IN" smtClean="0"/>
-              <a:t>03-10-2021</a:t>
+              <a:t>04-10-2021</a:t>
             </a:fld>
             <a:endParaRPr lang="en-IN"/>
           </a:p>
@@ -4544,7 +4545,7 @@
           <a:p>
             <a:fld id="{4425DEEF-1BE0-4D28-8612-2669634C709D}" type="datetimeFigureOut">
               <a:rPr lang="en-IN" smtClean="0"/>
-              <a:t>03-10-2021</a:t>
+              <a:t>04-10-2021</a:t>
             </a:fld>
             <a:endParaRPr lang="en-IN"/>
           </a:p>
@@ -5138,6 +5139,94 @@
 </p:sld>
 </file>
 
+<file path=ppt/slides/slide10.xml><?xml version="1.0" encoding="utf-8"?>
+<p:sld xmlns:a="http://schemas.openxmlformats.org/drawingml/2006/main" xmlns:r="http://schemas.openxmlformats.org/officeDocument/2006/relationships" xmlns:p="http://schemas.openxmlformats.org/presentationml/2006/main">
+  <p:cSld>
+    <p:spTree>
+      <p:nvGrpSpPr>
+        <p:cNvPr id="1" name=""/>
+        <p:cNvGrpSpPr/>
+        <p:nvPr/>
+      </p:nvGrpSpPr>
+      <p:grpSpPr>
+        <a:xfrm>
+          <a:off x="0" y="0"/>
+          <a:ext cx="0" cy="0"/>
+          <a:chOff x="0" y="0"/>
+          <a:chExt cx="0" cy="0"/>
+        </a:xfrm>
+      </p:grpSpPr>
+      <p:sp>
+        <p:nvSpPr>
+          <p:cNvPr id="3" name="Content Placeholder 2"/>
+          <p:cNvSpPr>
+            <a:spLocks noGrp="1"/>
+          </p:cNvSpPr>
+          <p:nvPr>
+            <p:ph idx="1"/>
+          </p:nvPr>
+        </p:nvSpPr>
+        <p:spPr/>
+        <p:txBody>
+          <a:bodyPr/>
+          <a:lstStyle/>
+          <a:p>
+            <a:pPr marL="109728" indent="0" algn="just">
+              <a:buNone/>
+            </a:pPr>
+            <a:r>
+              <a:rPr lang="en-IN" dirty="0" smtClean="0"/>
+              <a:t>If you like this video please share and subscribe. Please comment your suggestions.  </a:t>
+            </a:r>
+            <a:endParaRPr lang="en-IN" dirty="0"/>
+          </a:p>
+        </p:txBody>
+      </p:sp>
+      <p:sp>
+        <p:nvSpPr>
+          <p:cNvPr id="2" name="Title 1"/>
+          <p:cNvSpPr>
+            <a:spLocks noGrp="1"/>
+          </p:cNvSpPr>
+          <p:nvPr>
+            <p:ph type="title"/>
+          </p:nvPr>
+        </p:nvSpPr>
+        <p:spPr/>
+        <p:txBody>
+          <a:bodyPr>
+            <a:normAutofit/>
+          </a:bodyPr>
+          <a:lstStyle/>
+          <a:p>
+            <a:r>
+              <a:rPr lang="en-IN" dirty="0" smtClean="0"/>
+              <a:t>Thank you for watching!</a:t>
+            </a:r>
+            <a:endParaRPr lang="en-IN" dirty="0"/>
+          </a:p>
+        </p:txBody>
+      </p:sp>
+    </p:spTree>
+    <p:extLst>
+      <p:ext uri="{BB962C8B-B14F-4D97-AF65-F5344CB8AC3E}">
+        <p14:creationId xmlns:p14="http://schemas.microsoft.com/office/powerpoint/2010/main" val="4141508271"/>
+      </p:ext>
+    </p:extLst>
+  </p:cSld>
+  <p:clrMapOvr>
+    <a:masterClrMapping/>
+  </p:clrMapOvr>
+  <p:timing>
+    <p:tnLst>
+      <p:par>
+        <p:cTn id="1" dur="indefinite" restart="never" nodeType="tmRoot"/>
+      </p:par>
+    </p:tnLst>
+  </p:timing>
+</p:sld>
+</file>
+
 <file path=ppt/slides/slide2.xml><?xml version="1.0" encoding="utf-8"?>
 <p:sld xmlns:a="http://schemas.openxmlformats.org/drawingml/2006/main" xmlns:r="http://schemas.openxmlformats.org/officeDocument/2006/relationships" xmlns:p="http://schemas.openxmlformats.org/presentationml/2006/main">
   <p:cSld>
@@ -5818,11 +5907,7 @@
           <a:p>
             <a:r>
               <a:rPr lang="en-IN" dirty="0" smtClean="0"/>
-              <a:t>Apply different </a:t>
-            </a:r>
-            <a:r>
-              <a:rPr lang="en-IN" dirty="0" smtClean="0"/>
-              <a:t>border style</a:t>
+              <a:t>Apply different border style</a:t>
             </a:r>
             <a:endParaRPr lang="en-IN" dirty="0"/>
           </a:p>
@@ -6131,11 +6216,7 @@
           <a:p>
             <a:r>
               <a:rPr lang="en-IN" dirty="0" smtClean="0"/>
-              <a:t>Apply different </a:t>
-            </a:r>
-            <a:r>
-              <a:rPr lang="en-IN" dirty="0" smtClean="0"/>
-              <a:t>border width</a:t>
+              <a:t>Apply different border width</a:t>
             </a:r>
             <a:endParaRPr lang="en-IN" dirty="0"/>
           </a:p>
@@ -6491,11 +6572,7 @@
           <a:p>
             <a:r>
               <a:rPr lang="en-IN" dirty="0" smtClean="0"/>
-              <a:t>Apply different </a:t>
-            </a:r>
-            <a:r>
-              <a:rPr lang="en-IN" dirty="0" smtClean="0"/>
-              <a:t>border color</a:t>
+              <a:t>Apply different border color</a:t>
             </a:r>
             <a:endParaRPr lang="en-IN" dirty="0"/>
           </a:p>
@@ -6804,40 +6881,235 @@
         </p:nvSpPr>
         <p:spPr/>
         <p:txBody>
-          <a:bodyPr/>
-          <a:lstStyle/>
-          <a:p>
-            <a:pPr marL="109728" indent="0" algn="just">
-              <a:buNone/>
-            </a:pPr>
-            <a:r>
-              <a:rPr lang="en-IN" dirty="0" smtClean="0"/>
-              <a:t>If you like this video please share and subscribe. Please comment your suggestions.  </a:t>
-            </a:r>
-            <a:endParaRPr lang="en-IN" dirty="0"/>
-          </a:p>
-        </p:txBody>
-      </p:sp>
-      <p:sp>
-        <p:nvSpPr>
-          <p:cNvPr id="2" name="Title 1"/>
-          <p:cNvSpPr>
-            <a:spLocks noGrp="1"/>
-          </p:cNvSpPr>
-          <p:nvPr>
-            <p:ph type="title"/>
-          </p:nvPr>
-        </p:nvSpPr>
-        <p:spPr/>
-        <p:txBody>
           <a:bodyPr>
             <a:normAutofit/>
           </a:bodyPr>
           <a:lstStyle/>
           <a:p>
-            <a:r>
-              <a:rPr lang="en-IN" dirty="0" smtClean="0"/>
-              <a:t>Thank you for watching!</a:t>
+            <a:pPr algn="just"/>
+            <a:r>
+              <a:rPr lang="en-US" dirty="0"/>
+              <a:t>The border-radius CSS property rounds the corners of an element's outer border edge. You can set a single radius to make circular corners, or two radii to make elliptical corners</a:t>
+            </a:r>
+            <a:r>
+              <a:rPr lang="en-US" dirty="0" smtClean="0"/>
+              <a:t>.</a:t>
+            </a:r>
+          </a:p>
+          <a:p>
+            <a:pPr lvl="1" algn="just"/>
+            <a:r>
+              <a:rPr lang="en-US" dirty="0" smtClean="0">
+                <a:solidFill>
+                  <a:srgbClr val="FF0000"/>
+                </a:solidFill>
+              </a:rPr>
+              <a:t>Border-radius:20px;</a:t>
+            </a:r>
+            <a:endParaRPr lang="en-US" dirty="0">
+              <a:solidFill>
+                <a:srgbClr val="FF0000"/>
+              </a:solidFill>
+            </a:endParaRPr>
+          </a:p>
+          <a:p>
+            <a:pPr marL="393192" lvl="1" indent="0" algn="just">
+              <a:buNone/>
+            </a:pPr>
+            <a:r>
+              <a:rPr lang="en-IN" sz="2000" dirty="0" smtClean="0"/>
+              <a:t>If you want to specify the radius of each corner separately you have to use the following properties.</a:t>
+            </a:r>
+          </a:p>
+          <a:p>
+            <a:pPr marL="630936" lvl="2" indent="0" algn="just">
+              <a:buNone/>
+            </a:pPr>
+            <a:r>
+              <a:rPr lang="en-IN" sz="1800" dirty="0"/>
+              <a:t> </a:t>
+            </a:r>
+            <a:r>
+              <a:rPr lang="en-IN" sz="1800" dirty="0" smtClean="0">
+                <a:solidFill>
+                  <a:srgbClr val="FF0000"/>
+                </a:solidFill>
+              </a:rPr>
+              <a:t>border-top-left-radius:25px;</a:t>
+            </a:r>
+            <a:endParaRPr lang="en-IN" sz="1800" dirty="0">
+              <a:solidFill>
+                <a:srgbClr val="FF0000"/>
+              </a:solidFill>
+            </a:endParaRPr>
+          </a:p>
+          <a:p>
+            <a:pPr marL="630936" lvl="2" indent="0" algn="just">
+              <a:buNone/>
+            </a:pPr>
+            <a:r>
+              <a:rPr lang="en-IN" sz="1800" dirty="0">
+                <a:solidFill>
+                  <a:srgbClr val="FF0000"/>
+                </a:solidFill>
+              </a:rPr>
+              <a:t> </a:t>
+            </a:r>
+            <a:r>
+              <a:rPr lang="en-IN" sz="1800" dirty="0" smtClean="0">
+                <a:solidFill>
+                  <a:srgbClr val="FF0000"/>
+                </a:solidFill>
+              </a:rPr>
+              <a:t>border-top-right-radius :25px</a:t>
+            </a:r>
+            <a:r>
+              <a:rPr lang="en-IN" sz="1800" dirty="0">
+                <a:solidFill>
+                  <a:srgbClr val="FF0000"/>
+                </a:solidFill>
+              </a:rPr>
+              <a:t>;</a:t>
+            </a:r>
+          </a:p>
+          <a:p>
+            <a:pPr marL="630936" lvl="2" indent="0" algn="just">
+              <a:buNone/>
+            </a:pPr>
+            <a:r>
+              <a:rPr lang="en-IN" sz="1800" dirty="0">
+                <a:solidFill>
+                  <a:srgbClr val="FF0000"/>
+                </a:solidFill>
+              </a:rPr>
+              <a:t> </a:t>
+            </a:r>
+            <a:r>
+              <a:rPr lang="en-IN" sz="1800" dirty="0" smtClean="0">
+                <a:solidFill>
+                  <a:srgbClr val="FF0000"/>
+                </a:solidFill>
+              </a:rPr>
+              <a:t>border-bottom-right-radius:</a:t>
+            </a:r>
+            <a:r>
+              <a:rPr lang="en-IN" sz="1800" dirty="0">
+                <a:solidFill>
+                  <a:srgbClr val="FF0000"/>
+                </a:solidFill>
+              </a:rPr>
+              <a:t>25px;</a:t>
+            </a:r>
+          </a:p>
+          <a:p>
+            <a:pPr marL="630936" lvl="2" indent="0" algn="just">
+              <a:buNone/>
+            </a:pPr>
+            <a:r>
+              <a:rPr lang="en-IN" sz="1800" dirty="0">
+                <a:solidFill>
+                  <a:srgbClr val="FF0000"/>
+                </a:solidFill>
+              </a:rPr>
+              <a:t> </a:t>
+            </a:r>
+            <a:r>
+              <a:rPr lang="en-IN" sz="1800" dirty="0" smtClean="0">
+                <a:solidFill>
+                  <a:srgbClr val="FF0000"/>
+                </a:solidFill>
+              </a:rPr>
+              <a:t>border-bottom-left-radius:</a:t>
+            </a:r>
+            <a:r>
+              <a:rPr lang="en-IN" sz="1800" dirty="0">
+                <a:solidFill>
+                  <a:srgbClr val="FF0000"/>
+                </a:solidFill>
+              </a:rPr>
+              <a:t>25px;</a:t>
+            </a:r>
+            <a:endParaRPr lang="en-IN" sz="1800" dirty="0" smtClean="0">
+              <a:solidFill>
+                <a:srgbClr val="FF0000"/>
+              </a:solidFill>
+            </a:endParaRPr>
+          </a:p>
+          <a:p>
+            <a:pPr marL="393192" lvl="1" indent="0" algn="just">
+              <a:buNone/>
+            </a:pPr>
+            <a:endParaRPr lang="en-IN" sz="2000" dirty="0"/>
+          </a:p>
+          <a:p>
+            <a:pPr lvl="1" algn="just"/>
+            <a:endParaRPr lang="en-IN" sz="2000" dirty="0" smtClean="0"/>
+          </a:p>
+          <a:p>
+            <a:pPr lvl="1" algn="just"/>
+            <a:endParaRPr lang="en-IN" sz="2000" dirty="0"/>
+          </a:p>
+          <a:p>
+            <a:pPr lvl="1" algn="just"/>
+            <a:endParaRPr lang="en-IN" sz="2000" dirty="0"/>
+          </a:p>
+          <a:p>
+            <a:pPr lvl="1" algn="just"/>
+            <a:endParaRPr lang="en-US" sz="2000" dirty="0" smtClean="0"/>
+          </a:p>
+          <a:p>
+            <a:pPr lvl="1"/>
+            <a:endParaRPr lang="en-US" dirty="0"/>
+          </a:p>
+          <a:p>
+            <a:pPr marL="393192" lvl="1" indent="0" algn="just">
+              <a:buNone/>
+            </a:pPr>
+            <a:endParaRPr lang="en-IN" sz="1600" dirty="0" smtClean="0"/>
+          </a:p>
+          <a:p>
+            <a:pPr algn="just"/>
+            <a:endParaRPr lang="en-IN" sz="2000" dirty="0" smtClean="0"/>
+          </a:p>
+          <a:p>
+            <a:pPr algn="just"/>
+            <a:endParaRPr lang="en-IN" sz="2000" dirty="0">
+              <a:solidFill>
+                <a:srgbClr val="FF0000"/>
+              </a:solidFill>
+            </a:endParaRPr>
+          </a:p>
+          <a:p>
+            <a:pPr algn="just"/>
+            <a:endParaRPr lang="en-IN" sz="2600" dirty="0"/>
+          </a:p>
+        </p:txBody>
+      </p:sp>
+      <p:sp>
+        <p:nvSpPr>
+          <p:cNvPr id="2" name="Title 1"/>
+          <p:cNvSpPr>
+            <a:spLocks noGrp="1"/>
+          </p:cNvSpPr>
+          <p:nvPr>
+            <p:ph type="title"/>
+          </p:nvPr>
+        </p:nvSpPr>
+        <p:spPr>
+          <a:xfrm>
+            <a:off x="457200" y="274638"/>
+            <a:ext cx="8229600" cy="868362"/>
+          </a:xfrm>
+        </p:spPr>
+        <p:txBody>
+          <a:bodyPr>
+            <a:normAutofit/>
+          </a:bodyPr>
+          <a:lstStyle/>
+          <a:p>
+            <a:r>
+              <a:rPr lang="en-IN" sz="3600" dirty="0" smtClean="0"/>
+              <a:t>Border radius</a:t>
             </a:r>
             <a:endParaRPr lang="en-IN" dirty="0"/>
           </a:p>
@@ -6846,7 +7118,7 @@
     </p:spTree>
     <p:extLst>
       <p:ext uri="{BB962C8B-B14F-4D97-AF65-F5344CB8AC3E}">
-        <p14:creationId xmlns:p14="http://schemas.microsoft.com/office/powerpoint/2010/main" val="4141508271"/>
+        <p14:creationId xmlns:p14="http://schemas.microsoft.com/office/powerpoint/2010/main" val="1387362947"/>
       </p:ext>
     </p:extLst>
   </p:cSld>
